--- a/NN-PRIOR/Fig.pptx
+++ b/NN-PRIOR/Fig.pptx
@@ -104,6 +104,11 @@
       </a:defRPr>
     </a:lvl9pPr>
   </p:defaultTextStyle>
+  <p:extLst>
+    <p:ext uri="{EFAFB233-063F-42B5-8137-9DF3F51BA10A}">
+      <p15:sldGuideLst xmlns:p15="http://schemas.microsoft.com/office/powerpoint/2012/main"/>
+    </p:ext>
+  </p:extLst>
 </p:presentation>
 </file>
 
@@ -238,7 +243,7 @@
           <a:p>
             <a:fld id="{A891DB46-4F5A-D94C-9A89-784A7C9BB878}" type="datetimeFigureOut">
               <a:rPr kumimoji="1" lang="zh-CN" altLang="en-US" smtClean="0"/>
-              <a:t>2023/8/17</a:t>
+              <a:t>2023/8/31</a:t>
             </a:fld>
             <a:endParaRPr kumimoji="1" lang="zh-CN" altLang="en-US"/>
           </a:p>
@@ -408,7 +413,7 @@
           <a:p>
             <a:fld id="{A891DB46-4F5A-D94C-9A89-784A7C9BB878}" type="datetimeFigureOut">
               <a:rPr kumimoji="1" lang="zh-CN" altLang="en-US" smtClean="0"/>
-              <a:t>2023/8/17</a:t>
+              <a:t>2023/8/31</a:t>
             </a:fld>
             <a:endParaRPr kumimoji="1" lang="zh-CN" altLang="en-US"/>
           </a:p>
@@ -588,7 +593,7 @@
           <a:p>
             <a:fld id="{A891DB46-4F5A-D94C-9A89-784A7C9BB878}" type="datetimeFigureOut">
               <a:rPr kumimoji="1" lang="zh-CN" altLang="en-US" smtClean="0"/>
-              <a:t>2023/8/17</a:t>
+              <a:t>2023/8/31</a:t>
             </a:fld>
             <a:endParaRPr kumimoji="1" lang="zh-CN" altLang="en-US"/>
           </a:p>
@@ -758,7 +763,7 @@
           <a:p>
             <a:fld id="{A891DB46-4F5A-D94C-9A89-784A7C9BB878}" type="datetimeFigureOut">
               <a:rPr kumimoji="1" lang="zh-CN" altLang="en-US" smtClean="0"/>
-              <a:t>2023/8/17</a:t>
+              <a:t>2023/8/31</a:t>
             </a:fld>
             <a:endParaRPr kumimoji="1" lang="zh-CN" altLang="en-US"/>
           </a:p>
@@ -1004,7 +1009,7 @@
           <a:p>
             <a:fld id="{A891DB46-4F5A-D94C-9A89-784A7C9BB878}" type="datetimeFigureOut">
               <a:rPr kumimoji="1" lang="zh-CN" altLang="en-US" smtClean="0"/>
-              <a:t>2023/8/17</a:t>
+              <a:t>2023/8/31</a:t>
             </a:fld>
             <a:endParaRPr kumimoji="1" lang="zh-CN" altLang="en-US"/>
           </a:p>
@@ -1236,7 +1241,7 @@
           <a:p>
             <a:fld id="{A891DB46-4F5A-D94C-9A89-784A7C9BB878}" type="datetimeFigureOut">
               <a:rPr kumimoji="1" lang="zh-CN" altLang="en-US" smtClean="0"/>
-              <a:t>2023/8/17</a:t>
+              <a:t>2023/8/31</a:t>
             </a:fld>
             <a:endParaRPr kumimoji="1" lang="zh-CN" altLang="en-US"/>
           </a:p>
@@ -1603,7 +1608,7 @@
           <a:p>
             <a:fld id="{A891DB46-4F5A-D94C-9A89-784A7C9BB878}" type="datetimeFigureOut">
               <a:rPr kumimoji="1" lang="zh-CN" altLang="en-US" smtClean="0"/>
-              <a:t>2023/8/17</a:t>
+              <a:t>2023/8/31</a:t>
             </a:fld>
             <a:endParaRPr kumimoji="1" lang="zh-CN" altLang="en-US"/>
           </a:p>
@@ -1721,7 +1726,7 @@
           <a:p>
             <a:fld id="{A891DB46-4F5A-D94C-9A89-784A7C9BB878}" type="datetimeFigureOut">
               <a:rPr kumimoji="1" lang="zh-CN" altLang="en-US" smtClean="0"/>
-              <a:t>2023/8/17</a:t>
+              <a:t>2023/8/31</a:t>
             </a:fld>
             <a:endParaRPr kumimoji="1" lang="zh-CN" altLang="en-US"/>
           </a:p>
@@ -1816,7 +1821,7 @@
           <a:p>
             <a:fld id="{A891DB46-4F5A-D94C-9A89-784A7C9BB878}" type="datetimeFigureOut">
               <a:rPr kumimoji="1" lang="zh-CN" altLang="en-US" smtClean="0"/>
-              <a:t>2023/8/17</a:t>
+              <a:t>2023/8/31</a:t>
             </a:fld>
             <a:endParaRPr kumimoji="1" lang="zh-CN" altLang="en-US"/>
           </a:p>
@@ -2093,7 +2098,7 @@
           <a:p>
             <a:fld id="{A891DB46-4F5A-D94C-9A89-784A7C9BB878}" type="datetimeFigureOut">
               <a:rPr kumimoji="1" lang="zh-CN" altLang="en-US" smtClean="0"/>
-              <a:t>2023/8/17</a:t>
+              <a:t>2023/8/31</a:t>
             </a:fld>
             <a:endParaRPr kumimoji="1" lang="zh-CN" altLang="en-US"/>
           </a:p>
@@ -2350,7 +2355,7 @@
           <a:p>
             <a:fld id="{A891DB46-4F5A-D94C-9A89-784A7C9BB878}" type="datetimeFigureOut">
               <a:rPr kumimoji="1" lang="zh-CN" altLang="en-US" smtClean="0"/>
-              <a:t>2023/8/17</a:t>
+              <a:t>2023/8/31</a:t>
             </a:fld>
             <a:endParaRPr kumimoji="1" lang="zh-CN" altLang="en-US"/>
           </a:p>
@@ -2563,7 +2568,7 @@
           <a:p>
             <a:fld id="{A891DB46-4F5A-D94C-9A89-784A7C9BB878}" type="datetimeFigureOut">
               <a:rPr kumimoji="1" lang="zh-CN" altLang="en-US" smtClean="0"/>
-              <a:t>2023/8/17</a:t>
+              <a:t>2023/8/31</a:t>
             </a:fld>
             <a:endParaRPr kumimoji="1" lang="zh-CN" altLang="en-US"/>
           </a:p>
@@ -3028,12 +3033,120 @@
           </a:prstGeom>
         </p:spPr>
       </p:pic>
+      <p:sp>
+        <p:nvSpPr>
+          <p:cNvPr id="10" name="文本框 9">
+            <a:extLst>
+              <a:ext uri="{FF2B5EF4-FFF2-40B4-BE49-F238E27FC236}">
+                <a16:creationId xmlns:a16="http://schemas.microsoft.com/office/drawing/2014/main" id="{5F953B69-1605-1420-B83A-02BB96646139}"/>
+              </a:ext>
+            </a:extLst>
+          </p:cNvPr>
+          <p:cNvSpPr txBox="1"/>
+          <p:nvPr/>
+        </p:nvSpPr>
+        <p:spPr>
+          <a:xfrm>
+            <a:off x="1184031" y="1035131"/>
+            <a:ext cx="436338" cy="369332"/>
+          </a:xfrm>
+          <a:prstGeom prst="rect">
+            <a:avLst/>
+          </a:prstGeom>
+          <a:noFill/>
+        </p:spPr>
+        <p:txBody>
+          <a:bodyPr wrap="none" rtlCol="0">
+            <a:spAutoFit/>
+          </a:bodyPr>
+          <a:lstStyle/>
+          <a:p>
+            <a:r>
+              <a:rPr kumimoji="1" lang="en-US" altLang="zh-CN" dirty="0"/>
+              <a:t>(a)</a:t>
+            </a:r>
+            <a:endParaRPr kumimoji="1" lang="zh-CN" altLang="en-US" dirty="0"/>
+          </a:p>
+        </p:txBody>
+      </p:sp>
+      <p:sp>
+        <p:nvSpPr>
+          <p:cNvPr id="11" name="文本框 10">
+            <a:extLst>
+              <a:ext uri="{FF2B5EF4-FFF2-40B4-BE49-F238E27FC236}">
+                <a16:creationId xmlns:a16="http://schemas.microsoft.com/office/drawing/2014/main" id="{D79098F0-3065-6D30-AF51-406E630C9E2E}"/>
+              </a:ext>
+            </a:extLst>
+          </p:cNvPr>
+          <p:cNvSpPr txBox="1"/>
+          <p:nvPr/>
+        </p:nvSpPr>
+        <p:spPr>
+          <a:xfrm>
+            <a:off x="5214535" y="1035131"/>
+            <a:ext cx="447558" cy="369332"/>
+          </a:xfrm>
+          <a:prstGeom prst="rect">
+            <a:avLst/>
+          </a:prstGeom>
+          <a:noFill/>
+        </p:spPr>
+        <p:txBody>
+          <a:bodyPr wrap="none" rtlCol="0">
+            <a:spAutoFit/>
+          </a:bodyPr>
+          <a:lstStyle/>
+          <a:p>
+            <a:r>
+              <a:rPr kumimoji="1" lang="en-US" altLang="zh-CN" dirty="0"/>
+              <a:t>(b)</a:t>
+            </a:r>
+            <a:endParaRPr kumimoji="1" lang="zh-CN" altLang="en-US" dirty="0"/>
+          </a:p>
+        </p:txBody>
+      </p:sp>
+      <p:sp>
+        <p:nvSpPr>
+          <p:cNvPr id="12" name="文本框 11">
+            <a:extLst>
+              <a:ext uri="{FF2B5EF4-FFF2-40B4-BE49-F238E27FC236}">
+                <a16:creationId xmlns:a16="http://schemas.microsoft.com/office/drawing/2014/main" id="{2E85439E-EC4C-32D2-5809-F757EBB8E82F}"/>
+              </a:ext>
+            </a:extLst>
+          </p:cNvPr>
+          <p:cNvSpPr txBox="1"/>
+          <p:nvPr/>
+        </p:nvSpPr>
+        <p:spPr>
+          <a:xfrm>
+            <a:off x="9200731" y="1035131"/>
+            <a:ext cx="436338" cy="369332"/>
+          </a:xfrm>
+          <a:prstGeom prst="rect">
+            <a:avLst/>
+          </a:prstGeom>
+          <a:noFill/>
+        </p:spPr>
+        <p:txBody>
+          <a:bodyPr wrap="none" rtlCol="0">
+            <a:spAutoFit/>
+          </a:bodyPr>
+          <a:lstStyle/>
+          <a:p>
+            <a:r>
+              <a:rPr kumimoji="1" lang="en-US" altLang="zh-CN" dirty="0"/>
+              <a:t>(c)</a:t>
+            </a:r>
+            <a:endParaRPr kumimoji="1" lang="zh-CN" altLang="en-US" dirty="0"/>
+          </a:p>
+        </p:txBody>
+      </p:sp>
       <p:pic>
         <p:nvPicPr>
-          <p:cNvPr id="9" name="图片 8">
+          <p:cNvPr id="4" name="图片 3">
             <a:extLst>
               <a:ext uri="{FF2B5EF4-FFF2-40B4-BE49-F238E27FC236}">
-                <a16:creationId xmlns:a16="http://schemas.microsoft.com/office/drawing/2014/main" id="{354531C9-D874-CE75-4EAE-F901B386A681}"/>
+                <a16:creationId xmlns:a16="http://schemas.microsoft.com/office/drawing/2014/main" id="{7C32D529-4147-826E-156E-6FCBFBC76C29}"/>
               </a:ext>
             </a:extLst>
           </p:cNvPr>
@@ -3050,122 +3163,14 @@
         </p:blipFill>
         <p:spPr>
           <a:xfrm>
-            <a:off x="8877053" y="1395173"/>
-            <a:ext cx="4031370" cy="2971010"/>
+            <a:off x="8980517" y="1404463"/>
+            <a:ext cx="4030504" cy="2970372"/>
           </a:xfrm>
           <a:prstGeom prst="rect">
             <a:avLst/>
           </a:prstGeom>
         </p:spPr>
       </p:pic>
-      <p:sp>
-        <p:nvSpPr>
-          <p:cNvPr id="10" name="文本框 9">
-            <a:extLst>
-              <a:ext uri="{FF2B5EF4-FFF2-40B4-BE49-F238E27FC236}">
-                <a16:creationId xmlns:a16="http://schemas.microsoft.com/office/drawing/2014/main" id="{5F953B69-1605-1420-B83A-02BB96646139}"/>
-              </a:ext>
-            </a:extLst>
-          </p:cNvPr>
-          <p:cNvSpPr txBox="1"/>
-          <p:nvPr/>
-        </p:nvSpPr>
-        <p:spPr>
-          <a:xfrm>
-            <a:off x="1184031" y="1035131"/>
-            <a:ext cx="436338" cy="369332"/>
-          </a:xfrm>
-          <a:prstGeom prst="rect">
-            <a:avLst/>
-          </a:prstGeom>
-          <a:noFill/>
-        </p:spPr>
-        <p:txBody>
-          <a:bodyPr wrap="none" rtlCol="0">
-            <a:spAutoFit/>
-          </a:bodyPr>
-          <a:lstStyle/>
-          <a:p>
-            <a:r>
-              <a:rPr kumimoji="1" lang="en-US" altLang="zh-CN" dirty="0"/>
-              <a:t>(a)</a:t>
-            </a:r>
-            <a:endParaRPr kumimoji="1" lang="zh-CN" altLang="en-US" dirty="0"/>
-          </a:p>
-        </p:txBody>
-      </p:sp>
-      <p:sp>
-        <p:nvSpPr>
-          <p:cNvPr id="11" name="文本框 10">
-            <a:extLst>
-              <a:ext uri="{FF2B5EF4-FFF2-40B4-BE49-F238E27FC236}">
-                <a16:creationId xmlns:a16="http://schemas.microsoft.com/office/drawing/2014/main" id="{D79098F0-3065-6D30-AF51-406E630C9E2E}"/>
-              </a:ext>
-            </a:extLst>
-          </p:cNvPr>
-          <p:cNvSpPr txBox="1"/>
-          <p:nvPr/>
-        </p:nvSpPr>
-        <p:spPr>
-          <a:xfrm>
-            <a:off x="5214535" y="1035131"/>
-            <a:ext cx="447558" cy="369332"/>
-          </a:xfrm>
-          <a:prstGeom prst="rect">
-            <a:avLst/>
-          </a:prstGeom>
-          <a:noFill/>
-        </p:spPr>
-        <p:txBody>
-          <a:bodyPr wrap="none" rtlCol="0">
-            <a:spAutoFit/>
-          </a:bodyPr>
-          <a:lstStyle/>
-          <a:p>
-            <a:r>
-              <a:rPr kumimoji="1" lang="en-US" altLang="zh-CN" dirty="0"/>
-              <a:t>(b)</a:t>
-            </a:r>
-            <a:endParaRPr kumimoji="1" lang="zh-CN" altLang="en-US" dirty="0"/>
-          </a:p>
-        </p:txBody>
-      </p:sp>
-      <p:sp>
-        <p:nvSpPr>
-          <p:cNvPr id="12" name="文本框 11">
-            <a:extLst>
-              <a:ext uri="{FF2B5EF4-FFF2-40B4-BE49-F238E27FC236}">
-                <a16:creationId xmlns:a16="http://schemas.microsoft.com/office/drawing/2014/main" id="{2E85439E-EC4C-32D2-5809-F757EBB8E82F}"/>
-              </a:ext>
-            </a:extLst>
-          </p:cNvPr>
-          <p:cNvSpPr txBox="1"/>
-          <p:nvPr/>
-        </p:nvSpPr>
-        <p:spPr>
-          <a:xfrm>
-            <a:off x="9200731" y="1035131"/>
-            <a:ext cx="436338" cy="369332"/>
-          </a:xfrm>
-          <a:prstGeom prst="rect">
-            <a:avLst/>
-          </a:prstGeom>
-          <a:noFill/>
-        </p:spPr>
-        <p:txBody>
-          <a:bodyPr wrap="none" rtlCol="0">
-            <a:spAutoFit/>
-          </a:bodyPr>
-          <a:lstStyle/>
-          <a:p>
-            <a:r>
-              <a:rPr kumimoji="1" lang="en-US" altLang="zh-CN" dirty="0"/>
-              <a:t>(c)</a:t>
-            </a:r>
-            <a:endParaRPr kumimoji="1" lang="zh-CN" altLang="en-US" dirty="0"/>
-          </a:p>
-        </p:txBody>
-      </p:sp>
     </p:spTree>
     <p:extLst>
       <p:ext uri="{BB962C8B-B14F-4D97-AF65-F5344CB8AC3E}">
